--- a/WebPresentation-1st.pptx
+++ b/WebPresentation-1st.pptx
@@ -7231,6 +7231,14 @@
                 <a:cs typeface="Arial" charset="0"/>
               </a:rPr>
             </a:br>
+            <a:r>
+              <a:rPr lang="en-US">
+                <a:latin typeface="Arial" charset="0"/>
+                <a:ea typeface="Arial" charset="0"/>
+                <a:cs typeface="Arial" charset="0"/>
+              </a:rPr>
+              <a:t/>
+            </a:r>
             <a:br>
               <a:rPr lang="en-US">
                 <a:latin typeface="Arial" charset="0"/>
@@ -7278,6 +7286,14 @@
               </a:rPr>
               <a:t>Tuấn</a:t>
             </a:r>
+            <a:r>
+              <a:rPr lang="en-US">
+                <a:latin typeface="Arial" charset="0"/>
+                <a:ea typeface="Arial" charset="0"/>
+                <a:cs typeface="Arial" charset="0"/>
+              </a:rPr>
+              <a:t/>
+            </a:r>
             <a:br>
               <a:rPr lang="en-US">
                 <a:latin typeface="Arial" charset="0"/>
@@ -7285,6 +7301,14 @@
                 <a:cs typeface="Arial" charset="0"/>
               </a:rPr>
             </a:br>
+            <a:r>
+              <a:rPr lang="en-US">
+                <a:latin typeface="Arial" charset="0"/>
+                <a:ea typeface="Arial" charset="0"/>
+                <a:cs typeface="Arial" charset="0"/>
+              </a:rPr>
+              <a:t/>
+            </a:r>
             <a:br>
               <a:rPr lang="en-US">
                 <a:latin typeface="Arial" charset="0"/>
@@ -7486,7 +7510,7 @@
           <p:nvPr>
             <p:extLst>
               <p:ext uri="{386F3935-93C4-4BCD-93E2-E3B085C9AB24}">
-                <p16:designElem xmlns:p16="http://schemas.microsoft.com/office/powerpoint/2015/main" val="1"/>
+                <p16:designElem xmlns:p16="http://schemas.microsoft.com/office/powerpoint/2015/main" xmlns="" val="1"/>
               </p:ext>
             </p:extLst>
           </p:nvPr>
@@ -7517,7 +7541,7 @@
           <p:nvPr>
             <p:extLst>
               <p:ext uri="{386F3935-93C4-4BCD-93E2-E3B085C9AB24}">
-                <p16:designElem xmlns:p16="http://schemas.microsoft.com/office/powerpoint/2015/main" val="1"/>
+                <p16:designElem xmlns:p16="http://schemas.microsoft.com/office/powerpoint/2015/main" xmlns="" val="1"/>
               </p:ext>
             </p:extLst>
           </p:nvPr>
@@ -7552,7 +7576,7 @@
           <p:nvPr>
             <p:extLst>
               <p:ext uri="{386F3935-93C4-4BCD-93E2-E3B085C9AB24}">
-                <p16:designElem xmlns:p16="http://schemas.microsoft.com/office/powerpoint/2015/main" val="1"/>
+                <p16:designElem xmlns:p16="http://schemas.microsoft.com/office/powerpoint/2015/main" xmlns="" val="1"/>
               </p:ext>
             </p:extLst>
           </p:nvPr>
@@ -7587,7 +7611,7 @@
           <p:nvPr>
             <p:extLst>
               <p:ext uri="{386F3935-93C4-4BCD-93E2-E3B085C9AB24}">
-                <p16:designElem xmlns:p16="http://schemas.microsoft.com/office/powerpoint/2015/main" val="1"/>
+                <p16:designElem xmlns:p16="http://schemas.microsoft.com/office/powerpoint/2015/main" xmlns="" val="1"/>
               </p:ext>
             </p:extLst>
           </p:nvPr>
@@ -7658,7 +7682,7 @@
           <p:nvPr>
             <p:extLst>
               <p:ext uri="{386F3935-93C4-4BCD-93E2-E3B085C9AB24}">
-                <p16:designElem xmlns:p16="http://schemas.microsoft.com/office/powerpoint/2015/main" val="1"/>
+                <p16:designElem xmlns:p16="http://schemas.microsoft.com/office/powerpoint/2015/main" xmlns="" val="1"/>
               </p:ext>
             </p:extLst>
           </p:nvPr>
@@ -7693,7 +7717,7 @@
           <p:nvPr>
             <p:extLst>
               <p:ext uri="{386F3935-93C4-4BCD-93E2-E3B085C9AB24}">
-                <p16:designElem xmlns:p16="http://schemas.microsoft.com/office/powerpoint/2015/main" val="1"/>
+                <p16:designElem xmlns:p16="http://schemas.microsoft.com/office/powerpoint/2015/main" xmlns="" val="1"/>
               </p:ext>
             </p:extLst>
           </p:nvPr>
@@ -7728,7 +7752,7 @@
           <p:nvPr>
             <p:extLst>
               <p:ext uri="{386F3935-93C4-4BCD-93E2-E3B085C9AB24}">
-                <p16:designElem xmlns:p16="http://schemas.microsoft.com/office/powerpoint/2015/main" val="1"/>
+                <p16:designElem xmlns:p16="http://schemas.microsoft.com/office/powerpoint/2015/main" xmlns="" val="1"/>
               </p:ext>
             </p:extLst>
           </p:nvPr>
@@ -7772,7 +7796,7 @@
           <p:nvPr>
             <p:extLst>
               <p:ext uri="{386F3935-93C4-4BCD-93E2-E3B085C9AB24}">
-                <p16:designElem xmlns:p16="http://schemas.microsoft.com/office/powerpoint/2015/main" val="1"/>
+                <p16:designElem xmlns:p16="http://schemas.microsoft.com/office/powerpoint/2015/main" xmlns="" val="1"/>
               </p:ext>
             </p:extLst>
           </p:nvPr>
@@ -7814,33 +7838,6 @@
           </a:p>
         </p:txBody>
       </p:sp>
-      <p:pic>
-        <p:nvPicPr>
-          <p:cNvPr id="4" name="Picture 4" descr="Screen Shot 2017-05-05 at 12.43.15 PM.png"/>
-          <p:cNvPicPr>
-            <a:picLocks noGrp="1" noChangeAspect="1"/>
-          </p:cNvPicPr>
-          <p:nvPr>
-            <p:ph idx="1"/>
-          </p:nvPr>
-        </p:nvPicPr>
-        <p:blipFill>
-          <a:blip r:embed="rId7"/>
-          <a:stretch>
-            <a:fillRect/>
-          </a:stretch>
-        </p:blipFill>
-        <p:spPr>
-          <a:xfrm>
-            <a:off x="1400175" y="567906"/>
-            <a:ext cx="9150807" cy="2402087"/>
-          </a:xfrm>
-          <a:prstGeom prst="rect">
-            <a:avLst/>
-          </a:prstGeom>
-          <a:effectLst/>
-        </p:spPr>
-      </p:pic>
       <p:sp>
         <p:nvSpPr>
           <p:cNvPr id="27" name="Freeform 16"/>
@@ -7850,7 +7847,7 @@
           <p:nvPr>
             <p:extLst>
               <p:ext uri="{386F3935-93C4-4BCD-93E2-E3B085C9AB24}">
-                <p16:designElem xmlns:p16="http://schemas.microsoft.com/office/powerpoint/2015/main" val="1"/>
+                <p16:designElem xmlns:p16="http://schemas.microsoft.com/office/powerpoint/2015/main" xmlns="" val="1"/>
               </p:ext>
             </p:extLst>
           </p:nvPr>
@@ -8205,7 +8202,7 @@
           <p:nvPr>
             <p:extLst>
               <p:ext uri="{386F3935-93C4-4BCD-93E2-E3B085C9AB24}">
-                <p16:designElem xmlns:p16="http://schemas.microsoft.com/office/powerpoint/2015/main" val="1"/>
+                <p16:designElem xmlns:p16="http://schemas.microsoft.com/office/powerpoint/2015/main" xmlns="" val="1"/>
               </p:ext>
             </p:extLst>
           </p:nvPr>
@@ -8693,6 +8690,15 @@
               </a:rPr>
               <a:t>Interaction between </a:t>
             </a:r>
+            <a:r>
+              <a:rPr lang="en-US" sz="6600" kern="1200">
+                <a:solidFill>
+                  <a:schemeClr val="tx1"/>
+                </a:solidFill>
+                <a:latin typeface="Century Gothic"/>
+              </a:rPr>
+              <a:t/>
+            </a:r>
             <a:br>
               <a:rPr lang="en-US" sz="6600" kern="1200">
                 <a:solidFill>
@@ -8710,6 +8716,189 @@
               </a:rPr>
               <a:t>   user and system</a:t>
             </a:r>
+          </a:p>
+        </p:txBody>
+      </p:sp>
+      <p:graphicFrame>
+        <p:nvGraphicFramePr>
+          <p:cNvPr id="3" name="Table 2"/>
+          <p:cNvGraphicFramePr>
+            <a:graphicFrameLocks noGrp="1"/>
+          </p:cNvGraphicFramePr>
+          <p:nvPr>
+            <p:extLst>
+              <p:ext uri="{D42A27DB-BD31-4B8C-83A1-F6EECF244321}">
+                <p14:modId xmlns:p14="http://schemas.microsoft.com/office/powerpoint/2010/main" val="745691686"/>
+              </p:ext>
+            </p:extLst>
+          </p:nvPr>
+        </p:nvGraphicFramePr>
+        <p:xfrm>
+          <a:off x="1833235" y="892317"/>
+          <a:ext cx="8750660" cy="2026920"/>
+        </p:xfrm>
+        <a:graphic>
+          <a:graphicData uri="http://schemas.openxmlformats.org/drawingml/2006/table">
+            <a:tbl>
+              <a:tblPr firstRow="1" bandRow="1">
+                <a:tableStyleId>{5C22544A-7EE6-4342-B048-85BDC9FD1C3A}</a:tableStyleId>
+              </a:tblPr>
+              <a:tblGrid>
+                <a:gridCol w="4375330"/>
+                <a:gridCol w="4375330"/>
+              </a:tblGrid>
+              <a:tr h="370840">
+                <a:tc>
+                  <a:txBody>
+                    <a:bodyPr/>
+                    <a:lstStyle/>
+                    <a:p>
+                      <a:r>
+                        <a:rPr lang="en-US" dirty="0" smtClean="0"/>
+                        <a:t>User (Customer/Store</a:t>
+                      </a:r>
+                      <a:r>
+                        <a:rPr lang="en-US" baseline="0" dirty="0" smtClean="0"/>
+                        <a:t> Manager)</a:t>
+                      </a:r>
+                      <a:endParaRPr lang="en-US" dirty="0"/>
+                    </a:p>
+                  </a:txBody>
+                  <a:tcPr/>
+                </a:tc>
+                <a:tc>
+                  <a:txBody>
+                    <a:bodyPr/>
+                    <a:lstStyle/>
+                    <a:p>
+                      <a:r>
+                        <a:rPr lang="en-US" dirty="0" smtClean="0"/>
+                        <a:t>System</a:t>
+                      </a:r>
+                      <a:endParaRPr lang="en-US" dirty="0"/>
+                    </a:p>
+                  </a:txBody>
+                  <a:tcPr/>
+                </a:tc>
+              </a:tr>
+              <a:tr h="370840">
+                <a:tc>
+                  <a:txBody>
+                    <a:bodyPr/>
+                    <a:lstStyle/>
+                    <a:p>
+                      <a:r>
+                        <a:rPr lang="en-US" dirty="0" smtClean="0"/>
+                        <a:t>1. Open the login page</a:t>
+                      </a:r>
+                      <a:endParaRPr lang="en-US" dirty="0"/>
+                    </a:p>
+                  </a:txBody>
+                  <a:tcPr/>
+                </a:tc>
+                <a:tc>
+                  <a:txBody>
+                    <a:bodyPr/>
+                    <a:lstStyle/>
+                    <a:p>
+                      <a:r>
+                        <a:rPr lang="en-US" dirty="0" smtClean="0"/>
+                        <a:t>Display the login page</a:t>
+                      </a:r>
+                      <a:endParaRPr lang="en-US" dirty="0"/>
+                    </a:p>
+                  </a:txBody>
+                  <a:tcPr/>
+                </a:tc>
+              </a:tr>
+              <a:tr h="370840">
+                <a:tc>
+                  <a:txBody>
+                    <a:bodyPr/>
+                    <a:lstStyle/>
+                    <a:p>
+                      <a:r>
+                        <a:rPr lang="en-US" dirty="0" smtClean="0"/>
+                        <a:t>2. Enter user name and password</a:t>
+                      </a:r>
+                      <a:endParaRPr lang="en-US" dirty="0"/>
+                    </a:p>
+                  </a:txBody>
+                  <a:tcPr/>
+                </a:tc>
+                <a:tc>
+                  <a:txBody>
+                    <a:bodyPr/>
+                    <a:lstStyle/>
+                    <a:p>
+                      <a:endParaRPr lang="en-US" dirty="0"/>
+                    </a:p>
+                  </a:txBody>
+                  <a:tcPr/>
+                </a:tc>
+              </a:tr>
+              <a:tr h="370840">
+                <a:tc>
+                  <a:txBody>
+                    <a:bodyPr/>
+                    <a:lstStyle/>
+                    <a:p>
+                      <a:r>
+                        <a:rPr lang="en-US" dirty="0" smtClean="0"/>
+                        <a:t>3. Submit</a:t>
+                      </a:r>
+                      <a:endParaRPr lang="en-US" dirty="0"/>
+                    </a:p>
+                  </a:txBody>
+                  <a:tcPr/>
+                </a:tc>
+                <a:tc>
+                  <a:txBody>
+                    <a:bodyPr/>
+                    <a:lstStyle/>
+                    <a:p>
+                      <a:r>
+                        <a:rPr lang="en-US" dirty="0" smtClean="0"/>
+                        <a:t>3.1. Check the user’s info in database</a:t>
+                      </a:r>
+                    </a:p>
+                    <a:p>
+                      <a:r>
+                        <a:rPr lang="en-US" dirty="0" smtClean="0"/>
+                        <a:t>3.2. If success, return the homepage.</a:t>
+                      </a:r>
+                    </a:p>
+                    <a:p>
+                      <a:r>
+                        <a:rPr lang="en-US" dirty="0" smtClean="0"/>
+                        <a:t>3.3. If fail, return the login page.</a:t>
+                      </a:r>
+                      <a:endParaRPr lang="en-US" dirty="0"/>
+                    </a:p>
+                  </a:txBody>
+                  <a:tcPr/>
+                </a:tc>
+              </a:tr>
+            </a:tbl>
+          </a:graphicData>
+        </a:graphic>
+      </p:graphicFrame>
+      <p:sp>
+        <p:nvSpPr>
+          <p:cNvPr id="5" name="Content Placeholder 4"/>
+          <p:cNvSpPr>
+            <a:spLocks noGrp="1"/>
+          </p:cNvSpPr>
+          <p:nvPr>
+            <p:ph idx="1"/>
+          </p:nvPr>
+        </p:nvSpPr>
+        <p:spPr/>
+        <p:txBody>
+          <a:bodyPr/>
+          <a:lstStyle/>
+          <a:p>
+            <a:endParaRPr lang="en-US" dirty="0"/>
           </a:p>
         </p:txBody>
       </p:sp>
@@ -8752,7 +8941,7 @@
           <p:nvPr>
             <p:extLst>
               <p:ext uri="{386F3935-93C4-4BCD-93E2-E3B085C9AB24}">
-                <p16:designElem xmlns:p16="http://schemas.microsoft.com/office/powerpoint/2015/main" val="1"/>
+                <p16:designElem xmlns:p16="http://schemas.microsoft.com/office/powerpoint/2015/main" xmlns="" val="1"/>
               </p:ext>
             </p:extLst>
           </p:nvPr>
@@ -8783,7 +8972,7 @@
           <p:nvPr>
             <p:extLst>
               <p:ext uri="{386F3935-93C4-4BCD-93E2-E3B085C9AB24}">
-                <p16:designElem xmlns:p16="http://schemas.microsoft.com/office/powerpoint/2015/main" val="1"/>
+                <p16:designElem xmlns:p16="http://schemas.microsoft.com/office/powerpoint/2015/main" xmlns="" val="1"/>
               </p:ext>
             </p:extLst>
           </p:nvPr>
@@ -8818,7 +9007,7 @@
           <p:nvPr>
             <p:extLst>
               <p:ext uri="{386F3935-93C4-4BCD-93E2-E3B085C9AB24}">
-                <p16:designElem xmlns:p16="http://schemas.microsoft.com/office/powerpoint/2015/main" val="1"/>
+                <p16:designElem xmlns:p16="http://schemas.microsoft.com/office/powerpoint/2015/main" xmlns="" val="1"/>
               </p:ext>
             </p:extLst>
           </p:nvPr>
@@ -8853,7 +9042,7 @@
           <p:nvPr>
             <p:extLst>
               <p:ext uri="{386F3935-93C4-4BCD-93E2-E3B085C9AB24}">
-                <p16:designElem xmlns:p16="http://schemas.microsoft.com/office/powerpoint/2015/main" val="1"/>
+                <p16:designElem xmlns:p16="http://schemas.microsoft.com/office/powerpoint/2015/main" xmlns="" val="1"/>
               </p:ext>
             </p:extLst>
           </p:nvPr>
@@ -8924,7 +9113,7 @@
           <p:nvPr>
             <p:extLst>
               <p:ext uri="{386F3935-93C4-4BCD-93E2-E3B085C9AB24}">
-                <p16:designElem xmlns:p16="http://schemas.microsoft.com/office/powerpoint/2015/main" val="1"/>
+                <p16:designElem xmlns:p16="http://schemas.microsoft.com/office/powerpoint/2015/main" xmlns="" val="1"/>
               </p:ext>
             </p:extLst>
           </p:nvPr>
@@ -8959,7 +9148,7 @@
           <p:nvPr>
             <p:extLst>
               <p:ext uri="{386F3935-93C4-4BCD-93E2-E3B085C9AB24}">
-                <p16:designElem xmlns:p16="http://schemas.microsoft.com/office/powerpoint/2015/main" val="1"/>
+                <p16:designElem xmlns:p16="http://schemas.microsoft.com/office/powerpoint/2015/main" xmlns="" val="1"/>
               </p:ext>
             </p:extLst>
           </p:nvPr>
@@ -8994,7 +9183,7 @@
           <p:nvPr>
             <p:extLst>
               <p:ext uri="{386F3935-93C4-4BCD-93E2-E3B085C9AB24}">
-                <p16:designElem xmlns:p16="http://schemas.microsoft.com/office/powerpoint/2015/main" val="1"/>
+                <p16:designElem xmlns:p16="http://schemas.microsoft.com/office/powerpoint/2015/main" xmlns="" val="1"/>
               </p:ext>
             </p:extLst>
           </p:nvPr>
@@ -9038,7 +9227,7 @@
           <p:nvPr>
             <p:extLst>
               <p:ext uri="{386F3935-93C4-4BCD-93E2-E3B085C9AB24}">
-                <p16:designElem xmlns:p16="http://schemas.microsoft.com/office/powerpoint/2015/main" val="1"/>
+                <p16:designElem xmlns:p16="http://schemas.microsoft.com/office/powerpoint/2015/main" xmlns="" val="1"/>
               </p:ext>
             </p:extLst>
           </p:nvPr>
@@ -9089,7 +9278,7 @@
           <p:nvPr>
             <p:extLst>
               <p:ext uri="{386F3935-93C4-4BCD-93E2-E3B085C9AB24}">
-                <p16:designElem xmlns:p16="http://schemas.microsoft.com/office/powerpoint/2015/main" val="1"/>
+                <p16:designElem xmlns:p16="http://schemas.microsoft.com/office/powerpoint/2015/main" xmlns="" val="1"/>
               </p:ext>
             </p:extLst>
           </p:nvPr>
@@ -9435,33 +9624,6 @@
           </a:p>
         </p:txBody>
       </p:sp>
-      <p:pic>
-        <p:nvPicPr>
-          <p:cNvPr id="6" name="Picture 6" descr="Screen Shot 2017-05-05 at 12.51.33 PM.png"/>
-          <p:cNvPicPr>
-            <a:picLocks noGrp="1" noChangeAspect="1"/>
-          </p:cNvPicPr>
-          <p:nvPr>
-            <p:ph idx="1"/>
-          </p:nvPr>
-        </p:nvPicPr>
-        <p:blipFill>
-          <a:blip r:embed="rId7"/>
-          <a:stretch>
-            <a:fillRect/>
-          </a:stretch>
-        </p:blipFill>
-        <p:spPr>
-          <a:xfrm>
-            <a:off x="1752600" y="352425"/>
-            <a:ext cx="9150807" cy="3179905"/>
-          </a:xfrm>
-          <a:prstGeom prst="rect">
-            <a:avLst/>
-          </a:prstGeom>
-          <a:effectLst/>
-        </p:spPr>
-      </p:pic>
       <p:sp>
         <p:nvSpPr>
           <p:cNvPr id="54" name="Freeform: Shape 53"/>
@@ -9471,7 +9633,7 @@
           <p:nvPr>
             <p:extLst>
               <p:ext uri="{386F3935-93C4-4BCD-93E2-E3B085C9AB24}">
-                <p16:designElem xmlns:p16="http://schemas.microsoft.com/office/powerpoint/2015/main" val="1"/>
+                <p16:designElem xmlns:p16="http://schemas.microsoft.com/office/powerpoint/2015/main" xmlns="" val="1"/>
               </p:ext>
             </p:extLst>
           </p:nvPr>
@@ -9986,6 +10148,17 @@
               </a:rPr>
               <a:t>Interaction between </a:t>
             </a:r>
+            <a:r>
+              <a:rPr lang="en-US" sz="3000" b="0" i="0" kern="1200">
+                <a:solidFill>
+                  <a:schemeClr val="tx1"/>
+                </a:solidFill>
+                <a:latin typeface="+mj-lt"/>
+                <a:ea typeface="+mj-ea"/>
+                <a:cs typeface="+mj-cs"/>
+              </a:rPr>
+              <a:t/>
+            </a:r>
             <a:br>
               <a:rPr lang="en-US" sz="3000" b="0" i="0" kern="1200">
                 <a:solidFill>
@@ -10013,6 +10186,243 @@
               </a:solidFill>
               <a:latin typeface="Century Gothic"/>
             </a:endParaRPr>
+          </a:p>
+        </p:txBody>
+      </p:sp>
+      <p:graphicFrame>
+        <p:nvGraphicFramePr>
+          <p:cNvPr id="3" name="Table 2"/>
+          <p:cNvGraphicFramePr>
+            <a:graphicFrameLocks noGrp="1"/>
+          </p:cNvGraphicFramePr>
+          <p:nvPr>
+            <p:extLst>
+              <p:ext uri="{D42A27DB-BD31-4B8C-83A1-F6EECF244321}">
+                <p14:modId xmlns:p14="http://schemas.microsoft.com/office/powerpoint/2010/main" val="274535218"/>
+              </p:ext>
+            </p:extLst>
+          </p:nvPr>
+        </p:nvGraphicFramePr>
+        <p:xfrm>
+          <a:off x="321853" y="646719"/>
+          <a:ext cx="11547987" cy="2397760"/>
+        </p:xfrm>
+        <a:graphic>
+          <a:graphicData uri="http://schemas.openxmlformats.org/drawingml/2006/table">
+            <a:tbl>
+              <a:tblPr firstRow="1" bandRow="1">
+                <a:tableStyleId>{5C22544A-7EE6-4342-B048-85BDC9FD1C3A}</a:tableStyleId>
+              </a:tblPr>
+              <a:tblGrid>
+                <a:gridCol w="5323993"/>
+                <a:gridCol w="6223994"/>
+              </a:tblGrid>
+              <a:tr h="370840">
+                <a:tc>
+                  <a:txBody>
+                    <a:bodyPr/>
+                    <a:lstStyle/>
+                    <a:p>
+                      <a:r>
+                        <a:rPr lang="en-US" dirty="0" smtClean="0"/>
+                        <a:t>User</a:t>
+                      </a:r>
+                      <a:r>
+                        <a:rPr lang="en-US" baseline="0" dirty="0" smtClean="0"/>
+                        <a:t> (Guest/</a:t>
+                      </a:r>
+                      <a:r>
+                        <a:rPr lang="en-US" baseline="0" dirty="0" err="1" smtClean="0"/>
+                        <a:t>StoreManager</a:t>
+                      </a:r>
+                      <a:r>
+                        <a:rPr lang="en-US" baseline="0" dirty="0" smtClean="0"/>
+                        <a:t>)</a:t>
+                      </a:r>
+                      <a:endParaRPr lang="en-US" dirty="0"/>
+                    </a:p>
+                  </a:txBody>
+                  <a:tcPr/>
+                </a:tc>
+                <a:tc>
+                  <a:txBody>
+                    <a:bodyPr/>
+                    <a:lstStyle/>
+                    <a:p>
+                      <a:r>
+                        <a:rPr lang="en-US" dirty="0" smtClean="0"/>
+                        <a:t>System</a:t>
+                      </a:r>
+                      <a:endParaRPr lang="en-US" dirty="0"/>
+                    </a:p>
+                  </a:txBody>
+                  <a:tcPr/>
+                </a:tc>
+              </a:tr>
+              <a:tr h="370840">
+                <a:tc>
+                  <a:txBody>
+                    <a:bodyPr/>
+                    <a:lstStyle/>
+                    <a:p>
+                      <a:r>
+                        <a:rPr lang="en-US" dirty="0" smtClean="0"/>
+                        <a:t>1. Access website</a:t>
+                      </a:r>
+                      <a:endParaRPr lang="en-US" dirty="0"/>
+                    </a:p>
+                  </a:txBody>
+                  <a:tcPr/>
+                </a:tc>
+                <a:tc>
+                  <a:txBody>
+                    <a:bodyPr/>
+                    <a:lstStyle/>
+                    <a:p>
+                      <a:r>
+                        <a:rPr lang="en-US" dirty="0" smtClean="0"/>
+                        <a:t>Display</a:t>
+                      </a:r>
+                      <a:r>
+                        <a:rPr lang="en-US" baseline="0" dirty="0" smtClean="0"/>
+                        <a:t> the homepage</a:t>
+                      </a:r>
+                      <a:endParaRPr lang="en-US" dirty="0"/>
+                    </a:p>
+                  </a:txBody>
+                  <a:tcPr/>
+                </a:tc>
+              </a:tr>
+              <a:tr h="370840">
+                <a:tc>
+                  <a:txBody>
+                    <a:bodyPr/>
+                    <a:lstStyle/>
+                    <a:p>
+                      <a:r>
+                        <a:rPr lang="en-US" dirty="0" smtClean="0"/>
+                        <a:t>2.Click on the ‘Sign</a:t>
+                      </a:r>
+                      <a:r>
+                        <a:rPr lang="en-US" baseline="0" dirty="0" smtClean="0"/>
+                        <a:t> up’ button</a:t>
+                      </a:r>
+                      <a:endParaRPr lang="en-US" dirty="0"/>
+                    </a:p>
+                  </a:txBody>
+                  <a:tcPr/>
+                </a:tc>
+                <a:tc>
+                  <a:txBody>
+                    <a:bodyPr/>
+                    <a:lstStyle/>
+                    <a:p>
+                      <a:r>
+                        <a:rPr lang="en-US" dirty="0" smtClean="0"/>
+                        <a:t>Display the register page</a:t>
+                      </a:r>
+                      <a:endParaRPr lang="en-US" dirty="0"/>
+                    </a:p>
+                  </a:txBody>
+                  <a:tcPr/>
+                </a:tc>
+              </a:tr>
+              <a:tr h="370840">
+                <a:tc>
+                  <a:txBody>
+                    <a:bodyPr/>
+                    <a:lstStyle/>
+                    <a:p>
+                      <a:r>
+                        <a:rPr lang="en-US" dirty="0" smtClean="0"/>
+                        <a:t>3. Fill</a:t>
+                      </a:r>
+                      <a:r>
+                        <a:rPr lang="en-US" baseline="0" dirty="0" smtClean="0"/>
+                        <a:t> in the form</a:t>
+                      </a:r>
+                      <a:endParaRPr lang="en-US" dirty="0"/>
+                    </a:p>
+                  </a:txBody>
+                  <a:tcPr/>
+                </a:tc>
+                <a:tc>
+                  <a:txBody>
+                    <a:bodyPr/>
+                    <a:lstStyle/>
+                    <a:p>
+                      <a:endParaRPr lang="en-US" dirty="0"/>
+                    </a:p>
+                  </a:txBody>
+                  <a:tcPr/>
+                </a:tc>
+              </a:tr>
+              <a:tr h="370840">
+                <a:tc>
+                  <a:txBody>
+                    <a:bodyPr/>
+                    <a:lstStyle/>
+                    <a:p>
+                      <a:r>
+                        <a:rPr lang="en-US" dirty="0" smtClean="0"/>
+                        <a:t>4. Submit</a:t>
+                      </a:r>
+                      <a:endParaRPr lang="en-US" dirty="0"/>
+                    </a:p>
+                  </a:txBody>
+                  <a:tcPr/>
+                </a:tc>
+                <a:tc>
+                  <a:txBody>
+                    <a:bodyPr/>
+                    <a:lstStyle/>
+                    <a:p>
+                      <a:r>
+                        <a:rPr lang="en-US" dirty="0" smtClean="0"/>
+                        <a:t>4.1. Check the validity</a:t>
+                      </a:r>
+                      <a:r>
+                        <a:rPr lang="en-US" baseline="0" dirty="0" smtClean="0"/>
+                        <a:t> of the account information.</a:t>
+                      </a:r>
+                    </a:p>
+                    <a:p>
+                      <a:r>
+                        <a:rPr lang="en-US" baseline="0" dirty="0" smtClean="0"/>
+                        <a:t>4.2. If success, send a confirmation link to user’s email.</a:t>
+                      </a:r>
+                    </a:p>
+                    <a:p>
+                      <a:r>
+                        <a:rPr lang="en-US" baseline="0" dirty="0" smtClean="0"/>
+                        <a:t>4.3. If fail, warn then reload the register page.</a:t>
+                      </a:r>
+                      <a:endParaRPr lang="en-US" dirty="0"/>
+                    </a:p>
+                  </a:txBody>
+                  <a:tcPr/>
+                </a:tc>
+              </a:tr>
+            </a:tbl>
+          </a:graphicData>
+        </a:graphic>
+      </p:graphicFrame>
+      <p:sp>
+        <p:nvSpPr>
+          <p:cNvPr id="4" name="Content Placeholder 3"/>
+          <p:cNvSpPr>
+            <a:spLocks noGrp="1"/>
+          </p:cNvSpPr>
+          <p:nvPr>
+            <p:ph idx="1"/>
+          </p:nvPr>
+        </p:nvSpPr>
+        <p:spPr/>
+        <p:txBody>
+          <a:bodyPr/>
+          <a:lstStyle/>
+          <a:p>
+            <a:endParaRPr lang="en-US" dirty="0"/>
           </a:p>
         </p:txBody>
       </p:sp>
@@ -10055,7 +10465,7 @@
           <p:nvPr>
             <p:extLst>
               <p:ext uri="{386F3935-93C4-4BCD-93E2-E3B085C9AB24}">
-                <p16:designElem xmlns:p16="http://schemas.microsoft.com/office/powerpoint/2015/main" val="1"/>
+                <p16:designElem xmlns:p16="http://schemas.microsoft.com/office/powerpoint/2015/main" xmlns="" val="1"/>
               </p:ext>
             </p:extLst>
           </p:nvPr>
@@ -10102,7 +10512,7 @@
           <p:nvPr>
             <p:extLst>
               <p:ext uri="{386F3935-93C4-4BCD-93E2-E3B085C9AB24}">
-                <p16:designElem xmlns:p16="http://schemas.microsoft.com/office/powerpoint/2015/main" val="1"/>
+                <p16:designElem xmlns:p16="http://schemas.microsoft.com/office/powerpoint/2015/main" xmlns="" val="1"/>
               </p:ext>
             </p:extLst>
           </p:nvPr>
@@ -10137,7 +10547,7 @@
           <p:nvPr>
             <p:extLst>
               <p:ext uri="{386F3935-93C4-4BCD-93E2-E3B085C9AB24}">
-                <p16:designElem xmlns:p16="http://schemas.microsoft.com/office/powerpoint/2015/main" val="1"/>
+                <p16:designElem xmlns:p16="http://schemas.microsoft.com/office/powerpoint/2015/main" xmlns="" val="1"/>
               </p:ext>
             </p:extLst>
           </p:nvPr>
@@ -10172,7 +10582,7 @@
           <p:nvPr>
             <p:extLst>
               <p:ext uri="{386F3935-93C4-4BCD-93E2-E3B085C9AB24}">
-                <p16:designElem xmlns:p16="http://schemas.microsoft.com/office/powerpoint/2015/main" val="1"/>
+                <p16:designElem xmlns:p16="http://schemas.microsoft.com/office/powerpoint/2015/main" xmlns="" val="1"/>
               </p:ext>
             </p:extLst>
           </p:nvPr>
@@ -10243,7 +10653,7 @@
           <p:nvPr>
             <p:extLst>
               <p:ext uri="{386F3935-93C4-4BCD-93E2-E3B085C9AB24}">
-                <p16:designElem xmlns:p16="http://schemas.microsoft.com/office/powerpoint/2015/main" val="1"/>
+                <p16:designElem xmlns:p16="http://schemas.microsoft.com/office/powerpoint/2015/main" xmlns="" val="1"/>
               </p:ext>
             </p:extLst>
           </p:nvPr>
@@ -10278,7 +10688,7 @@
           <p:nvPr>
             <p:extLst>
               <p:ext uri="{386F3935-93C4-4BCD-93E2-E3B085C9AB24}">
-                <p16:designElem xmlns:p16="http://schemas.microsoft.com/office/powerpoint/2015/main" val="1"/>
+                <p16:designElem xmlns:p16="http://schemas.microsoft.com/office/powerpoint/2015/main" xmlns="" val="1"/>
               </p:ext>
             </p:extLst>
           </p:nvPr>
@@ -10313,7 +10723,7 @@
           <p:nvPr>
             <p:extLst>
               <p:ext uri="{386F3935-93C4-4BCD-93E2-E3B085C9AB24}">
-                <p16:designElem xmlns:p16="http://schemas.microsoft.com/office/powerpoint/2015/main" val="1"/>
+                <p16:designElem xmlns:p16="http://schemas.microsoft.com/office/powerpoint/2015/main" xmlns="" val="1"/>
               </p:ext>
             </p:extLst>
           </p:nvPr>
@@ -10357,7 +10767,7 @@
           <p:nvPr>
             <p:extLst>
               <p:ext uri="{386F3935-93C4-4BCD-93E2-E3B085C9AB24}">
-                <p16:designElem xmlns:p16="http://schemas.microsoft.com/office/powerpoint/2015/main" val="1"/>
+                <p16:designElem xmlns:p16="http://schemas.microsoft.com/office/powerpoint/2015/main" xmlns="" val="1"/>
               </p:ext>
             </p:extLst>
           </p:nvPr>
@@ -10411,7 +10821,7 @@
           <p:nvPr>
             <p:extLst>
               <p:ext uri="{386F3935-93C4-4BCD-93E2-E3B085C9AB24}">
-                <p16:designElem xmlns:p16="http://schemas.microsoft.com/office/powerpoint/2015/main" val="1"/>
+                <p16:designElem xmlns:p16="http://schemas.microsoft.com/office/powerpoint/2015/main" xmlns="" val="1"/>
               </p:ext>
             </p:extLst>
           </p:nvPr>
@@ -10465,7 +10875,7 @@
           <p:nvPr>
             <p:extLst>
               <p:ext uri="{386F3935-93C4-4BCD-93E2-E3B085C9AB24}">
-                <p16:designElem xmlns:p16="http://schemas.microsoft.com/office/powerpoint/2015/main" val="1"/>
+                <p16:designElem xmlns:p16="http://schemas.microsoft.com/office/powerpoint/2015/main" xmlns="" val="1"/>
               </p:ext>
             </p:extLst>
           </p:nvPr>
@@ -10575,7 +10985,7 @@
           <p:nvPr>
             <p:extLst>
               <p:ext uri="{386F3935-93C4-4BCD-93E2-E3B085C9AB24}">
-                <p16:designElem xmlns:p16="http://schemas.microsoft.com/office/powerpoint/2015/main" val="1"/>
+                <p16:designElem xmlns:p16="http://schemas.microsoft.com/office/powerpoint/2015/main" xmlns="" val="1"/>
               </p:ext>
             </p:extLst>
           </p:nvPr>
@@ -10622,7 +11032,7 @@
           <p:nvPr>
             <p:extLst>
               <p:ext uri="{386F3935-93C4-4BCD-93E2-E3B085C9AB24}">
-                <p16:designElem xmlns:p16="http://schemas.microsoft.com/office/powerpoint/2015/main" val="1"/>
+                <p16:designElem xmlns:p16="http://schemas.microsoft.com/office/powerpoint/2015/main" xmlns="" val="1"/>
               </p:ext>
             </p:extLst>
           </p:nvPr>
@@ -10657,7 +11067,7 @@
           <p:nvPr>
             <p:extLst>
               <p:ext uri="{386F3935-93C4-4BCD-93E2-E3B085C9AB24}">
-                <p16:designElem xmlns:p16="http://schemas.microsoft.com/office/powerpoint/2015/main" val="1"/>
+                <p16:designElem xmlns:p16="http://schemas.microsoft.com/office/powerpoint/2015/main" xmlns="" val="1"/>
               </p:ext>
             </p:extLst>
           </p:nvPr>
@@ -10692,7 +11102,7 @@
           <p:nvPr>
             <p:extLst>
               <p:ext uri="{386F3935-93C4-4BCD-93E2-E3B085C9AB24}">
-                <p16:designElem xmlns:p16="http://schemas.microsoft.com/office/powerpoint/2015/main" val="1"/>
+                <p16:designElem xmlns:p16="http://schemas.microsoft.com/office/powerpoint/2015/main" xmlns="" val="1"/>
               </p:ext>
             </p:extLst>
           </p:nvPr>
@@ -10763,7 +11173,7 @@
           <p:nvPr>
             <p:extLst>
               <p:ext uri="{386F3935-93C4-4BCD-93E2-E3B085C9AB24}">
-                <p16:designElem xmlns:p16="http://schemas.microsoft.com/office/powerpoint/2015/main" val="1"/>
+                <p16:designElem xmlns:p16="http://schemas.microsoft.com/office/powerpoint/2015/main" xmlns="" val="1"/>
               </p:ext>
             </p:extLst>
           </p:nvPr>
@@ -10798,7 +11208,7 @@
           <p:nvPr>
             <p:extLst>
               <p:ext uri="{386F3935-93C4-4BCD-93E2-E3B085C9AB24}">
-                <p16:designElem xmlns:p16="http://schemas.microsoft.com/office/powerpoint/2015/main" val="1"/>
+                <p16:designElem xmlns:p16="http://schemas.microsoft.com/office/powerpoint/2015/main" xmlns="" val="1"/>
               </p:ext>
             </p:extLst>
           </p:nvPr>
@@ -10833,7 +11243,7 @@
           <p:nvPr>
             <p:extLst>
               <p:ext uri="{386F3935-93C4-4BCD-93E2-E3B085C9AB24}">
-                <p16:designElem xmlns:p16="http://schemas.microsoft.com/office/powerpoint/2015/main" val="1"/>
+                <p16:designElem xmlns:p16="http://schemas.microsoft.com/office/powerpoint/2015/main" xmlns="" val="1"/>
               </p:ext>
             </p:extLst>
           </p:nvPr>
@@ -10877,7 +11287,7 @@
           <p:nvPr>
             <p:extLst>
               <p:ext uri="{386F3935-93C4-4BCD-93E2-E3B085C9AB24}">
-                <p16:designElem xmlns:p16="http://schemas.microsoft.com/office/powerpoint/2015/main" val="1"/>
+                <p16:designElem xmlns:p16="http://schemas.microsoft.com/office/powerpoint/2015/main" xmlns="" val="1"/>
               </p:ext>
             </p:extLst>
           </p:nvPr>
@@ -10931,7 +11341,7 @@
           <p:nvPr>
             <p:extLst>
               <p:ext uri="{386F3935-93C4-4BCD-93E2-E3B085C9AB24}">
-                <p16:designElem xmlns:p16="http://schemas.microsoft.com/office/powerpoint/2015/main" val="1"/>
+                <p16:designElem xmlns:p16="http://schemas.microsoft.com/office/powerpoint/2015/main" xmlns="" val="1"/>
               </p:ext>
             </p:extLst>
           </p:nvPr>
@@ -10975,7 +11385,7 @@
           <p:nvPr>
             <p:extLst>
               <p:ext uri="{386F3935-93C4-4BCD-93E2-E3B085C9AB24}">
-                <p16:designElem xmlns:p16="http://schemas.microsoft.com/office/powerpoint/2015/main" val="1"/>
+                <p16:designElem xmlns:p16="http://schemas.microsoft.com/office/powerpoint/2015/main" xmlns="" val="1"/>
               </p:ext>
             </p:extLst>
           </p:nvPr>

--- a/WebPresentation-1st.pptx
+++ b/WebPresentation-1st.pptx
@@ -5,7 +5,7 @@
     <p:sldMasterId id="2147483648" r:id="rId1"/>
   </p:sldMasterIdLst>
   <p:notesMasterIdLst>
-    <p:notesMasterId r:id="rId13"/>
+    <p:notesMasterId r:id="rId15"/>
   </p:notesMasterIdLst>
   <p:sldIdLst>
     <p:sldId id="256" r:id="rId2"/>
@@ -17,8 +17,10 @@
     <p:sldId id="264" r:id="rId8"/>
     <p:sldId id="265" r:id="rId9"/>
     <p:sldId id="266" r:id="rId10"/>
-    <p:sldId id="258" r:id="rId11"/>
-    <p:sldId id="259" r:id="rId12"/>
+    <p:sldId id="267" r:id="rId11"/>
+    <p:sldId id="268" r:id="rId12"/>
+    <p:sldId id="258" r:id="rId13"/>
+    <p:sldId id="259" r:id="rId14"/>
   </p:sldIdLst>
   <p:sldSz cx="12192000" cy="6858000"/>
   <p:notesSz cx="6858000" cy="9144000"/>
@@ -119,7 +121,7 @@
   </p:defaultTextStyle>
   <p:extLst>
     <p:ext uri="{EFAFB233-063F-42B5-8137-9DF3F51BA10A}">
-      <p15:sldGuideLst xmlns:p15="http://schemas.microsoft.com/office/powerpoint/2012/main"/>
+      <p15:sldGuideLst xmlns="" xmlns:p15="http://schemas.microsoft.com/office/powerpoint/2012/main"/>
     </p:ext>
   </p:extLst>
 </p:presentation>
@@ -207,7 +209,7 @@
           <a:p>
             <a:fld id="{92DA9FA0-5C7D-40A0-9B2C-E3844C1022DD}" type="datetimeFigureOut">
               <a:rPr lang="en-US"/>
-              <a:t>5/5/2017</a:t>
+              <a:t>6/2/17</a:t>
             </a:fld>
             <a:endParaRPr lang="en-US"/>
           </a:p>
@@ -1246,7 +1248,7 @@
           <a:p>
             <a:fld id="{4AAD347D-5ACD-4C99-B74B-A9C85AD731AF}" type="datetimeFigureOut">
               <a:rPr lang="en-US" dirty="0"/>
-              <a:t>5/5/2017</a:t>
+              <a:t>6/2/17</a:t>
             </a:fld>
             <a:endParaRPr lang="en-US"/>
           </a:p>
@@ -1514,7 +1516,7 @@
           <a:p>
             <a:fld id="{4509A250-FF31-4206-8172-F9D3106AACB1}" type="datetimeFigureOut">
               <a:rPr lang="en-US" dirty="0"/>
-              <a:t>5/5/2017</a:t>
+              <a:t>6/2/17</a:t>
             </a:fld>
             <a:endParaRPr lang="en-US"/>
           </a:p>
@@ -1702,7 +1704,7 @@
           <a:p>
             <a:fld id="{4509A250-FF31-4206-8172-F9D3106AACB1}" type="datetimeFigureOut">
               <a:rPr lang="en-US" dirty="0"/>
-              <a:t>5/5/2017</a:t>
+              <a:t>6/2/17</a:t>
             </a:fld>
             <a:endParaRPr lang="en-US"/>
           </a:p>
@@ -1969,7 +1971,7 @@
           <a:p>
             <a:fld id="{4509A250-FF31-4206-8172-F9D3106AACB1}" type="datetimeFigureOut">
               <a:rPr lang="en-US" dirty="0"/>
-              <a:t>5/5/2017</a:t>
+              <a:t>6/2/17</a:t>
             </a:fld>
             <a:endParaRPr lang="en-US"/>
           </a:p>
@@ -2304,7 +2306,7 @@
           <a:p>
             <a:fld id="{4509A250-FF31-4206-8172-F9D3106AACB1}" type="datetimeFigureOut">
               <a:rPr lang="en-US" dirty="0"/>
-              <a:t>5/5/2017</a:t>
+              <a:t>6/2/17</a:t>
             </a:fld>
             <a:endParaRPr lang="en-US"/>
           </a:p>
@@ -2921,7 +2923,7 @@
           <a:p>
             <a:fld id="{4509A250-FF31-4206-8172-F9D3106AACB1}" type="datetimeFigureOut">
               <a:rPr lang="en-US" dirty="0"/>
-              <a:t>5/5/2017</a:t>
+              <a:t>6/2/17</a:t>
             </a:fld>
             <a:endParaRPr lang="en-US"/>
           </a:p>
@@ -3772,7 +3774,7 @@
           <a:p>
             <a:fld id="{4509A250-FF31-4206-8172-F9D3106AACB1}" type="datetimeFigureOut">
               <a:rPr lang="en-US" dirty="0"/>
-              <a:t>5/5/2017</a:t>
+              <a:t>6/2/17</a:t>
             </a:fld>
             <a:endParaRPr lang="en-US"/>
           </a:p>
@@ -3935,7 +3937,7 @@
           <a:p>
             <a:fld id="{4509A250-FF31-4206-8172-F9D3106AACB1}" type="datetimeFigureOut">
               <a:rPr lang="en-US" dirty="0"/>
-              <a:t>5/5/2017</a:t>
+              <a:t>6/2/17</a:t>
             </a:fld>
             <a:endParaRPr lang="en-US"/>
           </a:p>
@@ -4108,7 +4110,7 @@
           <a:p>
             <a:fld id="{4509A250-FF31-4206-8172-F9D3106AACB1}" type="datetimeFigureOut">
               <a:rPr lang="en-US" dirty="0"/>
-              <a:t>5/5/2017</a:t>
+              <a:t>6/2/17</a:t>
             </a:fld>
             <a:endParaRPr lang="en-US"/>
           </a:p>
@@ -4271,7 +4273,7 @@
           <a:p>
             <a:fld id="{4509A250-FF31-4206-8172-F9D3106AACB1}" type="datetimeFigureOut">
               <a:rPr lang="en-US" dirty="0"/>
-              <a:t>5/5/2017</a:t>
+              <a:t>6/2/17</a:t>
             </a:fld>
             <a:endParaRPr lang="en-US"/>
           </a:p>
@@ -4512,7 +4514,7 @@
           <a:p>
             <a:fld id="{9796027F-7875-4030-9381-8BD8C4F21935}" type="datetimeFigureOut">
               <a:rPr lang="en-US" dirty="0"/>
-              <a:t>5/5/2017</a:t>
+              <a:t>6/2/17</a:t>
             </a:fld>
             <a:endParaRPr lang="en-US"/>
           </a:p>
@@ -4796,7 +4798,7 @@
           <a:p>
             <a:fld id="{9796027F-7875-4030-9381-8BD8C4F21935}" type="datetimeFigureOut">
               <a:rPr lang="en-US" dirty="0"/>
-              <a:t>5/5/2017</a:t>
+              <a:t>6/2/17</a:t>
             </a:fld>
             <a:endParaRPr lang="en-US"/>
           </a:p>
@@ -5232,7 +5234,7 @@
           <a:p>
             <a:fld id="{9796027F-7875-4030-9381-8BD8C4F21935}" type="datetimeFigureOut">
               <a:rPr lang="en-US" dirty="0"/>
-              <a:t>5/5/2017</a:t>
+              <a:t>6/2/17</a:t>
             </a:fld>
             <a:endParaRPr lang="en-US"/>
           </a:p>
@@ -5344,7 +5346,7 @@
           <a:p>
             <a:fld id="{4509A250-FF31-4206-8172-F9D3106AACB1}" type="datetimeFigureOut">
               <a:rPr lang="en-US" dirty="0"/>
-              <a:t>5/5/2017</a:t>
+              <a:t>6/2/17</a:t>
             </a:fld>
             <a:endParaRPr lang="en-US"/>
           </a:p>
@@ -5434,7 +5436,7 @@
           <a:p>
             <a:fld id="{4509A250-FF31-4206-8172-F9D3106AACB1}" type="datetimeFigureOut">
               <a:rPr lang="en-US" dirty="0"/>
-              <a:t>5/5/2017</a:t>
+              <a:t>6/2/17</a:t>
             </a:fld>
             <a:endParaRPr lang="en-US"/>
           </a:p>
@@ -5706,7 +5708,7 @@
           <a:p>
             <a:fld id="{4509A250-FF31-4206-8172-F9D3106AACB1}" type="datetimeFigureOut">
               <a:rPr lang="en-US" dirty="0"/>
-              <a:t>5/5/2017</a:t>
+              <a:t>6/2/17</a:t>
             </a:fld>
             <a:endParaRPr lang="en-US"/>
           </a:p>
@@ -5974,7 +5976,7 @@
           <a:p>
             <a:fld id="{4509A250-FF31-4206-8172-F9D3106AACB1}" type="datetimeFigureOut">
               <a:rPr lang="en-US" dirty="0"/>
-              <a:t>5/5/2017</a:t>
+              <a:t>6/2/17</a:t>
             </a:fld>
             <a:endParaRPr lang="en-US"/>
           </a:p>
@@ -6396,7 +6398,7 @@
           <a:p>
             <a:fld id="{4AAD347D-5ACD-4C99-B74B-A9C85AD731AF}" type="datetimeFigureOut">
               <a:rPr lang="en-US" dirty="0"/>
-              <a:t>5/5/2017</a:t>
+              <a:t>6/2/17</a:t>
             </a:fld>
             <a:endParaRPr lang="en-US"/>
           </a:p>
@@ -7008,6 +7010,189 @@
         </p:nvSpPr>
         <p:spPr>
           <a:xfrm>
+            <a:off x="-25148" y="1094031"/>
+            <a:ext cx="3792487" cy="1400530"/>
+          </a:xfrm>
+        </p:spPr>
+        <p:txBody>
+          <a:bodyPr/>
+          <a:lstStyle/>
+          <a:p>
+            <a:r>
+              <a:rPr lang="en-US" sz="3200" dirty="0" smtClean="0"/>
+              <a:t>View </a:t>
+            </a:r>
+            <a:br>
+              <a:rPr lang="en-US" sz="3200" dirty="0" smtClean="0"/>
+            </a:br>
+            <a:r>
+              <a:rPr lang="en-US" sz="3200" dirty="0" smtClean="0"/>
+              <a:t>user’s profile </a:t>
+            </a:r>
+            <a:endParaRPr lang="en-US" sz="3200" dirty="0"/>
+          </a:p>
+        </p:txBody>
+      </p:sp>
+      <p:pic>
+        <p:nvPicPr>
+          <p:cNvPr id="13" name="Content Placeholder 12" descr="Screen Shot 2017-06-02 at 2.23.50 PM.png"/>
+          <p:cNvPicPr>
+            <a:picLocks noGrp="1" noChangeAspect="1"/>
+          </p:cNvPicPr>
+          <p:nvPr>
+            <p:ph idx="1"/>
+          </p:nvPr>
+        </p:nvPicPr>
+        <p:blipFill>
+          <a:blip r:embed="rId2">
+            <a:extLst>
+              <a:ext uri="{28A0092B-C50C-407E-A947-70E740481C1C}">
+                <a14:useLocalDpi xmlns:a14="http://schemas.microsoft.com/office/drawing/2010/main" val="0"/>
+              </a:ext>
+            </a:extLst>
+          </a:blip>
+          <a:srcRect l="2333" r="2333"/>
+          <a:stretch>
+            <a:fillRect/>
+          </a:stretch>
+        </p:blipFill>
+        <p:spPr>
+          <a:xfrm>
+            <a:off x="2514787" y="0"/>
+            <a:ext cx="9677213" cy="6858000"/>
+          </a:xfrm>
+        </p:spPr>
+      </p:pic>
+    </p:spTree>
+    <p:extLst>
+      <p:ext uri="{BB962C8B-B14F-4D97-AF65-F5344CB8AC3E}">
+        <p14:creationId xmlns:p14="http://schemas.microsoft.com/office/powerpoint/2010/main" val="2097359073"/>
+      </p:ext>
+    </p:extLst>
+  </p:cSld>
+  <p:clrMapOvr>
+    <a:masterClrMapping/>
+  </p:clrMapOvr>
+</p:sld>
+</file>
+
+<file path=ppt/slides/slide11.xml><?xml version="1.0" encoding="utf-8"?>
+<p:sld xmlns:a="http://schemas.openxmlformats.org/drawingml/2006/main" xmlns:r="http://schemas.openxmlformats.org/officeDocument/2006/relationships" xmlns:p="http://schemas.openxmlformats.org/presentationml/2006/main">
+  <p:cSld>
+    <p:spTree>
+      <p:nvGrpSpPr>
+        <p:cNvPr id="1" name=""/>
+        <p:cNvGrpSpPr/>
+        <p:nvPr/>
+      </p:nvGrpSpPr>
+      <p:grpSpPr>
+        <a:xfrm>
+          <a:off x="0" y="0"/>
+          <a:ext cx="0" cy="0"/>
+          <a:chOff x="0" y="0"/>
+          <a:chExt cx="0" cy="0"/>
+        </a:xfrm>
+      </p:grpSpPr>
+      <p:sp>
+        <p:nvSpPr>
+          <p:cNvPr id="2" name="Title 1"/>
+          <p:cNvSpPr>
+            <a:spLocks noGrp="1"/>
+          </p:cNvSpPr>
+          <p:nvPr>
+            <p:ph type="title"/>
+          </p:nvPr>
+        </p:nvSpPr>
+        <p:spPr>
+          <a:xfrm>
+            <a:off x="1224512" y="314395"/>
+            <a:ext cx="9404723" cy="1400530"/>
+          </a:xfrm>
+        </p:spPr>
+        <p:txBody>
+          <a:bodyPr/>
+          <a:lstStyle/>
+          <a:p>
+            <a:r>
+              <a:rPr lang="en-US" dirty="0" smtClean="0"/>
+              <a:t>View product’s info</a:t>
+            </a:r>
+            <a:endParaRPr lang="en-US" dirty="0"/>
+          </a:p>
+        </p:txBody>
+      </p:sp>
+      <p:pic>
+        <p:nvPicPr>
+          <p:cNvPr id="6" name="Content Placeholder 5" descr="1.png"/>
+          <p:cNvPicPr>
+            <a:picLocks noGrp="1" noChangeAspect="1"/>
+          </p:cNvPicPr>
+          <p:nvPr>
+            <p:ph idx="1"/>
+          </p:nvPr>
+        </p:nvPicPr>
+        <p:blipFill>
+          <a:blip r:embed="rId2">
+            <a:extLst>
+              <a:ext uri="{28A0092B-C50C-407E-A947-70E740481C1C}">
+                <a14:useLocalDpi xmlns:a14="http://schemas.microsoft.com/office/drawing/2010/main" val="0"/>
+              </a:ext>
+            </a:extLst>
+          </a:blip>
+          <a:srcRect l="893" r="893"/>
+          <a:stretch>
+            <a:fillRect/>
+          </a:stretch>
+        </p:blipFill>
+        <p:spPr>
+          <a:xfrm>
+            <a:off x="1598274" y="2058919"/>
+            <a:ext cx="8946541" cy="4195481"/>
+          </a:xfrm>
+        </p:spPr>
+      </p:pic>
+    </p:spTree>
+    <p:extLst>
+      <p:ext uri="{BB962C8B-B14F-4D97-AF65-F5344CB8AC3E}">
+        <p14:creationId xmlns:p14="http://schemas.microsoft.com/office/powerpoint/2010/main" val="1473564996"/>
+      </p:ext>
+    </p:extLst>
+  </p:cSld>
+  <p:clrMapOvr>
+    <a:masterClrMapping/>
+  </p:clrMapOvr>
+</p:sld>
+</file>
+
+<file path=ppt/slides/slide12.xml><?xml version="1.0" encoding="utf-8"?>
+<p:sld xmlns:a="http://schemas.openxmlformats.org/drawingml/2006/main" xmlns:r="http://schemas.openxmlformats.org/officeDocument/2006/relationships" xmlns:p="http://schemas.openxmlformats.org/presentationml/2006/main">
+  <p:cSld>
+    <p:spTree>
+      <p:nvGrpSpPr>
+        <p:cNvPr id="1" name=""/>
+        <p:cNvGrpSpPr/>
+        <p:nvPr/>
+      </p:nvGrpSpPr>
+      <p:grpSpPr>
+        <a:xfrm>
+          <a:off x="0" y="0"/>
+          <a:ext cx="0" cy="0"/>
+          <a:chOff x="0" y="0"/>
+          <a:chExt cx="0" cy="0"/>
+        </a:xfrm>
+      </p:grpSpPr>
+      <p:sp>
+        <p:nvSpPr>
+          <p:cNvPr id="2" name="Title 1"/>
+          <p:cNvSpPr>
+            <a:spLocks noGrp="1"/>
+          </p:cNvSpPr>
+          <p:nvPr>
+            <p:ph type="title"/>
+          </p:nvPr>
+        </p:nvSpPr>
+        <p:spPr>
+          <a:xfrm>
             <a:off x="677712" y="3127470"/>
             <a:ext cx="9404723" cy="1400530"/>
           </a:xfrm>
@@ -7069,7 +7254,7 @@
 </p:sld>
 </file>
 
-<file path=ppt/slides/slide11.xml><?xml version="1.0" encoding="utf-8"?>
+<file path=ppt/slides/slide13.xml><?xml version="1.0" encoding="utf-8"?>
 <p:sld xmlns:a="http://schemas.openxmlformats.org/drawingml/2006/main" xmlns:r="http://schemas.openxmlformats.org/officeDocument/2006/relationships" xmlns:p="http://schemas.openxmlformats.org/presentationml/2006/main">
   <p:cSld>
     <p:spTree>
@@ -7447,30 +7632,51 @@
       </p:sp>
       <p:pic>
         <p:nvPicPr>
-          <p:cNvPr id="4" name="Picture 4" descr="Screen Shot 2017-05-05 at 12.38.58 PM.png"/>
-          <p:cNvPicPr>
-            <a:picLocks noGrp="1" noChangeAspect="1"/>
-          </p:cNvPicPr>
-          <p:nvPr>
-            <p:ph idx="1"/>
-          </p:nvPr>
+          <p:cNvPr id="5" name="Picture 4"/>
+          <p:cNvPicPr/>
+          <p:nvPr/>
         </p:nvPicPr>
         <p:blipFill>
-          <a:blip r:embed="rId3"/>
+          <a:blip r:embed="rId3">
+            <a:extLst>
+              <a:ext uri="{28A0092B-C50C-407E-A947-70E740481C1C}">
+                <a14:useLocalDpi xmlns:a14="http://schemas.microsoft.com/office/drawing/2010/main" val="0"/>
+              </a:ext>
+            </a:extLst>
+          </a:blip>
           <a:stretch>
             <a:fillRect/>
           </a:stretch>
         </p:blipFill>
         <p:spPr>
           <a:xfrm>
-            <a:off x="6556075" y="0"/>
-            <a:ext cx="5645979" cy="6932836"/>
+            <a:off x="6626463" y="0"/>
+            <a:ext cx="5565537" cy="6858000"/>
           </a:xfrm>
           <a:prstGeom prst="rect">
             <a:avLst/>
           </a:prstGeom>
         </p:spPr>
       </p:pic>
+      <p:sp>
+        <p:nvSpPr>
+          <p:cNvPr id="3" name="Content Placeholder 2"/>
+          <p:cNvSpPr>
+            <a:spLocks noGrp="1"/>
+          </p:cNvSpPr>
+          <p:nvPr>
+            <p:ph idx="1"/>
+          </p:nvPr>
+        </p:nvSpPr>
+        <p:spPr/>
+        <p:txBody>
+          <a:bodyPr/>
+          <a:lstStyle/>
+          <a:p>
+            <a:endParaRPr lang="en-US"/>
+          </a:p>
+        </p:txBody>
+      </p:sp>
     </p:spTree>
     <p:extLst>
       <p:ext uri="{BB962C8B-B14F-4D97-AF65-F5344CB8AC3E}">
@@ -8735,7 +8941,7 @@
         </p:nvGraphicFramePr>
         <p:xfrm>
           <a:off x="1833235" y="892317"/>
-          <a:ext cx="8750660" cy="2026920"/>
+          <a:ext cx="8750660" cy="2026919"/>
         </p:xfrm>
         <a:graphic>
           <a:graphicData uri="http://schemas.openxmlformats.org/drawingml/2006/table">
@@ -10205,7 +10411,7 @@
         </p:nvGraphicFramePr>
         <p:xfrm>
           <a:off x="321853" y="646719"/>
-          <a:ext cx="11547987" cy="2397760"/>
+          <a:ext cx="11547987" cy="2397759"/>
         </p:xfrm>
         <a:graphic>
           <a:graphicData uri="http://schemas.openxmlformats.org/drawingml/2006/table">
@@ -11742,7 +11948,7 @@
     </a:clrScheme>
     <a:fontScheme name="Ion">
       <a:majorFont>
-        <a:latin typeface="Century Gothic" panose="020B0502020202020204"/>
+        <a:latin typeface="Century Gothic"/>
         <a:ea typeface=""/>
         <a:cs typeface=""/>
         <a:font script="Jpan" typeface="メイリオ"/>
@@ -11777,7 +11983,7 @@
         <a:font script="Geor" typeface="Sylfaen"/>
       </a:majorFont>
       <a:minorFont>
-        <a:latin typeface="Century Gothic" panose="020B0502020202020204"/>
+        <a:latin typeface="Century Gothic"/>
         <a:ea typeface=""/>
         <a:cs typeface=""/>
         <a:font script="Jpan" typeface="メイリオ"/>
@@ -11959,7 +12165,7 @@
   <a:extraClrSchemeLst/>
   <a:extLst>
     <a:ext uri="{05A4C25C-085E-4340-85A3-A5531E510DB2}">
-      <thm15:themeFamily xmlns:thm15="http://schemas.microsoft.com/office/thememl/2012/main" name="Ion" id="{B8441ADB-2E43-4AF7-B97A-BD870242C6A8}" vid="{292E63A9-BB86-4E3D-B92A-7223C6510D2E}"/>
+      <thm15:themeFamily xmlns="" xmlns:thm15="http://schemas.microsoft.com/office/thememl/2012/main" name="Ion" id="{B8441ADB-2E43-4AF7-B97A-BD870242C6A8}" vid="{292E63A9-BB86-4E3D-B92A-7223C6510D2E}"/>
     </a:ext>
   </a:extLst>
 </a:theme>
@@ -12008,7 +12214,7 @@
     </a:clrScheme>
     <a:fontScheme name="Office">
       <a:majorFont>
-        <a:latin typeface="Calibri Light" panose="020F0302020204030204"/>
+        <a:latin typeface="Calibri Light"/>
         <a:ea typeface=""/>
         <a:cs typeface=""/>
         <a:font script="Jpan" typeface="游ゴシック Light"/>
@@ -12060,7 +12266,7 @@
         <a:font script="Tfng" typeface="Ebrima"/>
       </a:majorFont>
       <a:minorFont>
-        <a:latin typeface="Calibri" panose="020F0502020204030204"/>
+        <a:latin typeface="Calibri"/>
         <a:ea typeface=""/>
         <a:cs typeface=""/>
         <a:font script="Jpan" typeface="游ゴシック"/>
@@ -12254,7 +12460,7 @@
   <a:extraClrSchemeLst/>
   <a:extLst>
     <a:ext uri="{05A4C25C-085E-4340-85A3-A5531E510DB2}">
-      <thm15:themeFamily xmlns:thm15="http://schemas.microsoft.com/office/thememl/2012/main" name="Office Theme" id="{62F939B6-93AF-4DB8-9C6B-D6C7DFDC589F}" vid="{4A3C46E8-61CC-4603-A589-7422A47A8E4A}"/>
+      <thm15:themeFamily xmlns="" xmlns:thm15="http://schemas.microsoft.com/office/thememl/2012/main" name="Office Theme" id="{62F939B6-93AF-4DB8-9C6B-D6C7DFDC589F}" vid="{4A3C46E8-61CC-4603-A589-7422A47A8E4A}"/>
     </a:ext>
   </a:extLst>
 </a:theme>
